--- a/themes/simplebootx/Public/images/ncov/图片制作.pptx
+++ b/themes/simplebootx/Public/images/ncov/图片制作.pptx
@@ -7,6 +7,11 @@
   <p:sldIdLst>
     <p:sldId id="257" r:id="rId2"/>
     <p:sldId id="256" r:id="rId3"/>
+    <p:sldId id="258" r:id="rId4"/>
+    <p:sldId id="259" r:id="rId5"/>
+    <p:sldId id="260" r:id="rId6"/>
+    <p:sldId id="261" r:id="rId7"/>
+    <p:sldId id="263" r:id="rId8"/>
   </p:sldIdLst>
   <p:sldSz cx="12192000" cy="6858000"/>
   <p:notesSz cx="6858000" cy="9144000"/>
@@ -105,6 +110,11 @@
       </a:defRPr>
     </a:lvl9pPr>
   </p:defaultTextStyle>
+  <p:extLst>
+    <p:ext uri="{EFAFB233-063F-42B5-8137-9DF3F51BA10A}">
+      <p15:sldGuideLst xmlns:p15="http://schemas.microsoft.com/office/powerpoint/2012/main"/>
+    </p:ext>
+  </p:extLst>
 </p:presentation>
 </file>
 
@@ -255,7 +265,7 @@
           <a:p>
             <a:fld id="{78153D64-3F96-4070-B5FD-F616835272BC}" type="datetimeFigureOut">
               <a:rPr lang="zh-CN" altLang="en-US" smtClean="0"/>
-              <a:t>2020-1-29</a:t>
+              <a:t>2020/2/3</a:t>
             </a:fld>
             <a:endParaRPr lang="zh-CN" altLang="en-US"/>
           </a:p>
@@ -453,7 +463,7 @@
           <a:p>
             <a:fld id="{78153D64-3F96-4070-B5FD-F616835272BC}" type="datetimeFigureOut">
               <a:rPr lang="zh-CN" altLang="en-US" smtClean="0"/>
-              <a:t>2020-1-29</a:t>
+              <a:t>2020/2/3</a:t>
             </a:fld>
             <a:endParaRPr lang="zh-CN" altLang="en-US"/>
           </a:p>
@@ -661,7 +671,7 @@
           <a:p>
             <a:fld id="{78153D64-3F96-4070-B5FD-F616835272BC}" type="datetimeFigureOut">
               <a:rPr lang="zh-CN" altLang="en-US" smtClean="0"/>
-              <a:t>2020-1-29</a:t>
+              <a:t>2020/2/3</a:t>
             </a:fld>
             <a:endParaRPr lang="zh-CN" altLang="en-US"/>
           </a:p>
@@ -859,7 +869,7 @@
           <a:p>
             <a:fld id="{78153D64-3F96-4070-B5FD-F616835272BC}" type="datetimeFigureOut">
               <a:rPr lang="zh-CN" altLang="en-US" smtClean="0"/>
-              <a:t>2020-1-29</a:t>
+              <a:t>2020/2/3</a:t>
             </a:fld>
             <a:endParaRPr lang="zh-CN" altLang="en-US"/>
           </a:p>
@@ -1134,7 +1144,7 @@
           <a:p>
             <a:fld id="{78153D64-3F96-4070-B5FD-F616835272BC}" type="datetimeFigureOut">
               <a:rPr lang="zh-CN" altLang="en-US" smtClean="0"/>
-              <a:t>2020-1-29</a:t>
+              <a:t>2020/2/3</a:t>
             </a:fld>
             <a:endParaRPr lang="zh-CN" altLang="en-US"/>
           </a:p>
@@ -1399,7 +1409,7 @@
           <a:p>
             <a:fld id="{78153D64-3F96-4070-B5FD-F616835272BC}" type="datetimeFigureOut">
               <a:rPr lang="zh-CN" altLang="en-US" smtClean="0"/>
-              <a:t>2020-1-29</a:t>
+              <a:t>2020/2/3</a:t>
             </a:fld>
             <a:endParaRPr lang="zh-CN" altLang="en-US"/>
           </a:p>
@@ -1811,7 +1821,7 @@
           <a:p>
             <a:fld id="{78153D64-3F96-4070-B5FD-F616835272BC}" type="datetimeFigureOut">
               <a:rPr lang="zh-CN" altLang="en-US" smtClean="0"/>
-              <a:t>2020-1-29</a:t>
+              <a:t>2020/2/3</a:t>
             </a:fld>
             <a:endParaRPr lang="zh-CN" altLang="en-US"/>
           </a:p>
@@ -1952,7 +1962,7 @@
           <a:p>
             <a:fld id="{78153D64-3F96-4070-B5FD-F616835272BC}" type="datetimeFigureOut">
               <a:rPr lang="zh-CN" altLang="en-US" smtClean="0"/>
-              <a:t>2020-1-29</a:t>
+              <a:t>2020/2/3</a:t>
             </a:fld>
             <a:endParaRPr lang="zh-CN" altLang="en-US"/>
           </a:p>
@@ -2065,7 +2075,7 @@
           <a:p>
             <a:fld id="{78153D64-3F96-4070-B5FD-F616835272BC}" type="datetimeFigureOut">
               <a:rPr lang="zh-CN" altLang="en-US" smtClean="0"/>
-              <a:t>2020-1-29</a:t>
+              <a:t>2020/2/3</a:t>
             </a:fld>
             <a:endParaRPr lang="zh-CN" altLang="en-US"/>
           </a:p>
@@ -2376,7 +2386,7 @@
           <a:p>
             <a:fld id="{78153D64-3F96-4070-B5FD-F616835272BC}" type="datetimeFigureOut">
               <a:rPr lang="zh-CN" altLang="en-US" smtClean="0"/>
-              <a:t>2020-1-29</a:t>
+              <a:t>2020/2/3</a:t>
             </a:fld>
             <a:endParaRPr lang="zh-CN" altLang="en-US"/>
           </a:p>
@@ -2664,7 +2674,7 @@
           <a:p>
             <a:fld id="{78153D64-3F96-4070-B5FD-F616835272BC}" type="datetimeFigureOut">
               <a:rPr lang="zh-CN" altLang="en-US" smtClean="0"/>
-              <a:t>2020-1-29</a:t>
+              <a:t>2020/2/3</a:t>
             </a:fld>
             <a:endParaRPr lang="zh-CN" altLang="en-US"/>
           </a:p>
@@ -2905,7 +2915,7 @@
           <a:p>
             <a:fld id="{78153D64-3F96-4070-B5FD-F616835272BC}" type="datetimeFigureOut">
               <a:rPr lang="zh-CN" altLang="en-US" smtClean="0"/>
-              <a:t>2020-1-29</a:t>
+              <a:t>2020/2/3</a:t>
             </a:fld>
             <a:endParaRPr lang="zh-CN" altLang="en-US"/>
           </a:p>
@@ -3703,6 +3713,631 @@
 </p:sld>
 </file>
 
+<file path=ppt/slides/slide3.xml><?xml version="1.0" encoding="utf-8"?>
+<p:sld xmlns:a="http://schemas.openxmlformats.org/drawingml/2006/main" xmlns:r="http://schemas.openxmlformats.org/officeDocument/2006/relationships" xmlns:p="http://schemas.openxmlformats.org/presentationml/2006/main">
+  <p:cSld>
+    <p:spTree>
+      <p:nvGrpSpPr>
+        <p:cNvPr id="1" name=""/>
+        <p:cNvGrpSpPr/>
+        <p:nvPr/>
+      </p:nvGrpSpPr>
+      <p:grpSpPr>
+        <a:xfrm>
+          <a:off x="0" y="0"/>
+          <a:ext cx="0" cy="0"/>
+          <a:chOff x="0" y="0"/>
+          <a:chExt cx="0" cy="0"/>
+        </a:xfrm>
+      </p:grpSpPr>
+      <p:sp>
+        <p:nvSpPr>
+          <p:cNvPr id="4" name="矩形 3">
+            <a:extLst>
+              <a:ext uri="{FF2B5EF4-FFF2-40B4-BE49-F238E27FC236}">
+                <a16:creationId xmlns:a16="http://schemas.microsoft.com/office/drawing/2014/main" id="{480E36B8-67DF-4EE5-A3C6-7DE8485223D1}"/>
+              </a:ext>
+            </a:extLst>
+          </p:cNvPr>
+          <p:cNvSpPr/>
+          <p:nvPr/>
+        </p:nvSpPr>
+        <p:spPr>
+          <a:xfrm>
+            <a:off x="714349" y="154007"/>
+            <a:ext cx="6569169" cy="2862919"/>
+          </a:xfrm>
+          <a:prstGeom prst="rect">
+            <a:avLst/>
+          </a:prstGeom>
+          <a:solidFill>
+            <a:schemeClr val="tx1"/>
+          </a:solidFill>
+        </p:spPr>
+        <p:style>
+          <a:lnRef idx="2">
+            <a:schemeClr val="accent1">
+              <a:shade val="50000"/>
+            </a:schemeClr>
+          </a:lnRef>
+          <a:fillRef idx="1">
+            <a:schemeClr val="accent1"/>
+          </a:fillRef>
+          <a:effectRef idx="0">
+            <a:schemeClr val="accent1"/>
+          </a:effectRef>
+          <a:fontRef idx="minor">
+            <a:schemeClr val="lt1"/>
+          </a:fontRef>
+        </p:style>
+        <p:txBody>
+          <a:bodyPr rtlCol="0" anchor="ctr"/>
+          <a:lstStyle/>
+          <a:p>
+            <a:pPr algn="ctr"/>
+            <a:r>
+              <a:rPr lang="zh-CN" altLang="en-US" sz="4400" dirty="0"/>
+              <a:t>疫情状态</a:t>
+            </a:r>
+          </a:p>
+        </p:txBody>
+      </p:sp>
+      <p:sp>
+        <p:nvSpPr>
+          <p:cNvPr id="11" name="矩形 10">
+            <a:extLst>
+              <a:ext uri="{FF2B5EF4-FFF2-40B4-BE49-F238E27FC236}">
+                <a16:creationId xmlns:a16="http://schemas.microsoft.com/office/drawing/2014/main" id="{E69FC3B8-02F5-450F-9C3E-24FCB7C4986A}"/>
+              </a:ext>
+            </a:extLst>
+          </p:cNvPr>
+          <p:cNvSpPr/>
+          <p:nvPr/>
+        </p:nvSpPr>
+        <p:spPr>
+          <a:xfrm>
+            <a:off x="714349" y="3215862"/>
+            <a:ext cx="6569169" cy="2862919"/>
+          </a:xfrm>
+          <a:prstGeom prst="rect">
+            <a:avLst/>
+          </a:prstGeom>
+          <a:solidFill>
+            <a:srgbClr val="FF0000"/>
+          </a:solidFill>
+        </p:spPr>
+        <p:style>
+          <a:lnRef idx="2">
+            <a:schemeClr val="accent1">
+              <a:shade val="50000"/>
+            </a:schemeClr>
+          </a:lnRef>
+          <a:fillRef idx="1">
+            <a:schemeClr val="accent1"/>
+          </a:fillRef>
+          <a:effectRef idx="0">
+            <a:schemeClr val="accent1"/>
+          </a:effectRef>
+          <a:fontRef idx="minor">
+            <a:schemeClr val="lt1"/>
+          </a:fontRef>
+        </p:style>
+        <p:txBody>
+          <a:bodyPr rtlCol="0" anchor="ctr"/>
+          <a:lstStyle/>
+          <a:p>
+            <a:pPr algn="ctr"/>
+            <a:r>
+              <a:rPr lang="zh-CN" altLang="en-US" sz="4400" dirty="0"/>
+              <a:t>交通管控</a:t>
+            </a:r>
+          </a:p>
+        </p:txBody>
+      </p:sp>
+    </p:spTree>
+    <p:extLst>
+      <p:ext uri="{BB962C8B-B14F-4D97-AF65-F5344CB8AC3E}">
+        <p14:creationId xmlns:p14="http://schemas.microsoft.com/office/powerpoint/2010/main" val="2374010138"/>
+      </p:ext>
+    </p:extLst>
+  </p:cSld>
+  <p:clrMapOvr>
+    <a:masterClrMapping/>
+  </p:clrMapOvr>
+</p:sld>
+</file>
+
+<file path=ppt/slides/slide4.xml><?xml version="1.0" encoding="utf-8"?>
+<p:sld xmlns:a="http://schemas.openxmlformats.org/drawingml/2006/main" xmlns:r="http://schemas.openxmlformats.org/officeDocument/2006/relationships" xmlns:p="http://schemas.openxmlformats.org/presentationml/2006/main">
+  <p:cSld>
+    <p:spTree>
+      <p:nvGrpSpPr>
+        <p:cNvPr id="1" name=""/>
+        <p:cNvGrpSpPr/>
+        <p:nvPr/>
+      </p:nvGrpSpPr>
+      <p:grpSpPr>
+        <a:xfrm>
+          <a:off x="0" y="0"/>
+          <a:ext cx="0" cy="0"/>
+          <a:chOff x="0" y="0"/>
+          <a:chExt cx="0" cy="0"/>
+        </a:xfrm>
+      </p:grpSpPr>
+      <p:sp>
+        <p:nvSpPr>
+          <p:cNvPr id="4" name="矩形 3">
+            <a:extLst>
+              <a:ext uri="{FF2B5EF4-FFF2-40B4-BE49-F238E27FC236}">
+                <a16:creationId xmlns:a16="http://schemas.microsoft.com/office/drawing/2014/main" id="{480E36B8-67DF-4EE5-A3C6-7DE8485223D1}"/>
+              </a:ext>
+            </a:extLst>
+          </p:cNvPr>
+          <p:cNvSpPr/>
+          <p:nvPr/>
+        </p:nvSpPr>
+        <p:spPr>
+          <a:xfrm>
+            <a:off x="714349" y="154007"/>
+            <a:ext cx="6569169" cy="2862919"/>
+          </a:xfrm>
+          <a:prstGeom prst="rect">
+            <a:avLst/>
+          </a:prstGeom>
+          <a:solidFill>
+            <a:schemeClr val="accent2"/>
+          </a:solidFill>
+        </p:spPr>
+        <p:style>
+          <a:lnRef idx="2">
+            <a:schemeClr val="accent1">
+              <a:shade val="50000"/>
+            </a:schemeClr>
+          </a:lnRef>
+          <a:fillRef idx="1">
+            <a:schemeClr val="accent1"/>
+          </a:fillRef>
+          <a:effectRef idx="0">
+            <a:schemeClr val="accent1"/>
+          </a:effectRef>
+          <a:fontRef idx="minor">
+            <a:schemeClr val="lt1"/>
+          </a:fontRef>
+        </p:style>
+        <p:txBody>
+          <a:bodyPr rtlCol="0" anchor="ctr"/>
+          <a:lstStyle/>
+          <a:p>
+            <a:pPr algn="ctr"/>
+            <a:r>
+              <a:rPr lang="zh-CN" altLang="en-US" sz="4400" dirty="0"/>
+              <a:t>各地复工</a:t>
+            </a:r>
+          </a:p>
+        </p:txBody>
+      </p:sp>
+      <p:sp>
+        <p:nvSpPr>
+          <p:cNvPr id="11" name="矩形 10">
+            <a:extLst>
+              <a:ext uri="{FF2B5EF4-FFF2-40B4-BE49-F238E27FC236}">
+                <a16:creationId xmlns:a16="http://schemas.microsoft.com/office/drawing/2014/main" id="{E69FC3B8-02F5-450F-9C3E-24FCB7C4986A}"/>
+              </a:ext>
+            </a:extLst>
+          </p:cNvPr>
+          <p:cNvSpPr/>
+          <p:nvPr/>
+        </p:nvSpPr>
+        <p:spPr>
+          <a:xfrm>
+            <a:off x="714349" y="3215862"/>
+            <a:ext cx="6569169" cy="2862919"/>
+          </a:xfrm>
+          <a:prstGeom prst="rect">
+            <a:avLst/>
+          </a:prstGeom>
+          <a:solidFill>
+            <a:schemeClr val="accent5"/>
+          </a:solidFill>
+        </p:spPr>
+        <p:style>
+          <a:lnRef idx="2">
+            <a:schemeClr val="accent1">
+              <a:shade val="50000"/>
+            </a:schemeClr>
+          </a:lnRef>
+          <a:fillRef idx="1">
+            <a:schemeClr val="accent1"/>
+          </a:fillRef>
+          <a:effectRef idx="0">
+            <a:schemeClr val="accent1"/>
+          </a:effectRef>
+          <a:fontRef idx="minor">
+            <a:schemeClr val="lt1"/>
+          </a:fontRef>
+        </p:style>
+        <p:txBody>
+          <a:bodyPr rtlCol="0" anchor="ctr"/>
+          <a:lstStyle/>
+          <a:p>
+            <a:pPr algn="ctr"/>
+            <a:r>
+              <a:rPr lang="zh-CN" altLang="en-US" sz="4400" dirty="0"/>
+              <a:t>线上问诊</a:t>
+            </a:r>
+          </a:p>
+        </p:txBody>
+      </p:sp>
+    </p:spTree>
+    <p:extLst>
+      <p:ext uri="{BB962C8B-B14F-4D97-AF65-F5344CB8AC3E}">
+        <p14:creationId xmlns:p14="http://schemas.microsoft.com/office/powerpoint/2010/main" val="157014867"/>
+      </p:ext>
+    </p:extLst>
+  </p:cSld>
+  <p:clrMapOvr>
+    <a:masterClrMapping/>
+  </p:clrMapOvr>
+</p:sld>
+</file>
+
+<file path=ppt/slides/slide5.xml><?xml version="1.0" encoding="utf-8"?>
+<p:sld xmlns:a="http://schemas.openxmlformats.org/drawingml/2006/main" xmlns:r="http://schemas.openxmlformats.org/officeDocument/2006/relationships" xmlns:p="http://schemas.openxmlformats.org/presentationml/2006/main">
+  <p:cSld>
+    <p:spTree>
+      <p:nvGrpSpPr>
+        <p:cNvPr id="1" name=""/>
+        <p:cNvGrpSpPr/>
+        <p:nvPr/>
+      </p:nvGrpSpPr>
+      <p:grpSpPr>
+        <a:xfrm>
+          <a:off x="0" y="0"/>
+          <a:ext cx="0" cy="0"/>
+          <a:chOff x="0" y="0"/>
+          <a:chExt cx="0" cy="0"/>
+        </a:xfrm>
+      </p:grpSpPr>
+      <p:sp>
+        <p:nvSpPr>
+          <p:cNvPr id="4" name="矩形 3">
+            <a:extLst>
+              <a:ext uri="{FF2B5EF4-FFF2-40B4-BE49-F238E27FC236}">
+                <a16:creationId xmlns:a16="http://schemas.microsoft.com/office/drawing/2014/main" id="{480E36B8-67DF-4EE5-A3C6-7DE8485223D1}"/>
+              </a:ext>
+            </a:extLst>
+          </p:cNvPr>
+          <p:cNvSpPr/>
+          <p:nvPr/>
+        </p:nvSpPr>
+        <p:spPr>
+          <a:xfrm>
+            <a:off x="714349" y="154007"/>
+            <a:ext cx="6569169" cy="2862919"/>
+          </a:xfrm>
+          <a:prstGeom prst="rect">
+            <a:avLst/>
+          </a:prstGeom>
+          <a:solidFill>
+            <a:srgbClr val="00B050"/>
+          </a:solidFill>
+        </p:spPr>
+        <p:style>
+          <a:lnRef idx="2">
+            <a:schemeClr val="accent1">
+              <a:shade val="50000"/>
+            </a:schemeClr>
+          </a:lnRef>
+          <a:fillRef idx="1">
+            <a:schemeClr val="accent1"/>
+          </a:fillRef>
+          <a:effectRef idx="0">
+            <a:schemeClr val="accent1"/>
+          </a:effectRef>
+          <a:fontRef idx="minor">
+            <a:schemeClr val="lt1"/>
+          </a:fontRef>
+        </p:style>
+        <p:txBody>
+          <a:bodyPr rtlCol="0" anchor="ctr"/>
+          <a:lstStyle/>
+          <a:p>
+            <a:pPr algn="ctr"/>
+            <a:r>
+              <a:rPr lang="zh-CN" altLang="en-US" sz="4400" dirty="0"/>
+              <a:t>线下医院</a:t>
+            </a:r>
+          </a:p>
+        </p:txBody>
+      </p:sp>
+      <p:sp>
+        <p:nvSpPr>
+          <p:cNvPr id="11" name="矩形 10">
+            <a:extLst>
+              <a:ext uri="{FF2B5EF4-FFF2-40B4-BE49-F238E27FC236}">
+                <a16:creationId xmlns:a16="http://schemas.microsoft.com/office/drawing/2014/main" id="{E69FC3B8-02F5-450F-9C3E-24FCB7C4986A}"/>
+              </a:ext>
+            </a:extLst>
+          </p:cNvPr>
+          <p:cNvSpPr/>
+          <p:nvPr/>
+        </p:nvSpPr>
+        <p:spPr>
+          <a:xfrm>
+            <a:off x="714349" y="3215862"/>
+            <a:ext cx="6569169" cy="2862919"/>
+          </a:xfrm>
+          <a:prstGeom prst="rect">
+            <a:avLst/>
+          </a:prstGeom>
+          <a:solidFill>
+            <a:schemeClr val="accent4">
+              <a:lumMod val="60000"/>
+              <a:lumOff val="40000"/>
+            </a:schemeClr>
+          </a:solidFill>
+        </p:spPr>
+        <p:style>
+          <a:lnRef idx="2">
+            <a:schemeClr val="accent1">
+              <a:shade val="50000"/>
+            </a:schemeClr>
+          </a:lnRef>
+          <a:fillRef idx="1">
+            <a:schemeClr val="accent1"/>
+          </a:fillRef>
+          <a:effectRef idx="0">
+            <a:schemeClr val="accent1"/>
+          </a:effectRef>
+          <a:fontRef idx="minor">
+            <a:schemeClr val="lt1"/>
+          </a:fontRef>
+        </p:style>
+        <p:txBody>
+          <a:bodyPr rtlCol="0" anchor="ctr"/>
+          <a:lstStyle/>
+          <a:p>
+            <a:pPr algn="ctr"/>
+            <a:r>
+              <a:rPr lang="zh-CN" altLang="en-US" sz="4400" dirty="0"/>
+              <a:t>控制治疗</a:t>
+            </a:r>
+          </a:p>
+        </p:txBody>
+      </p:sp>
+    </p:spTree>
+    <p:extLst>
+      <p:ext uri="{BB962C8B-B14F-4D97-AF65-F5344CB8AC3E}">
+        <p14:creationId xmlns:p14="http://schemas.microsoft.com/office/powerpoint/2010/main" val="151857237"/>
+      </p:ext>
+    </p:extLst>
+  </p:cSld>
+  <p:clrMapOvr>
+    <a:masterClrMapping/>
+  </p:clrMapOvr>
+</p:sld>
+</file>
+
+<file path=ppt/slides/slide6.xml><?xml version="1.0" encoding="utf-8"?>
+<p:sld xmlns:a="http://schemas.openxmlformats.org/drawingml/2006/main" xmlns:r="http://schemas.openxmlformats.org/officeDocument/2006/relationships" xmlns:p="http://schemas.openxmlformats.org/presentationml/2006/main">
+  <p:cSld>
+    <p:spTree>
+      <p:nvGrpSpPr>
+        <p:cNvPr id="1" name=""/>
+        <p:cNvGrpSpPr/>
+        <p:nvPr/>
+      </p:nvGrpSpPr>
+      <p:grpSpPr>
+        <a:xfrm>
+          <a:off x="0" y="0"/>
+          <a:ext cx="0" cy="0"/>
+          <a:chOff x="0" y="0"/>
+          <a:chExt cx="0" cy="0"/>
+        </a:xfrm>
+      </p:grpSpPr>
+      <p:sp>
+        <p:nvSpPr>
+          <p:cNvPr id="4" name="矩形 3">
+            <a:extLst>
+              <a:ext uri="{FF2B5EF4-FFF2-40B4-BE49-F238E27FC236}">
+                <a16:creationId xmlns:a16="http://schemas.microsoft.com/office/drawing/2014/main" id="{480E36B8-67DF-4EE5-A3C6-7DE8485223D1}"/>
+              </a:ext>
+            </a:extLst>
+          </p:cNvPr>
+          <p:cNvSpPr/>
+          <p:nvPr/>
+        </p:nvSpPr>
+        <p:spPr>
+          <a:xfrm>
+            <a:off x="714349" y="154007"/>
+            <a:ext cx="6569169" cy="2862919"/>
+          </a:xfrm>
+          <a:prstGeom prst="rect">
+            <a:avLst/>
+          </a:prstGeom>
+          <a:solidFill>
+            <a:srgbClr val="0070C0"/>
+          </a:solidFill>
+        </p:spPr>
+        <p:style>
+          <a:lnRef idx="2">
+            <a:schemeClr val="accent1">
+              <a:shade val="50000"/>
+            </a:schemeClr>
+          </a:lnRef>
+          <a:fillRef idx="1">
+            <a:schemeClr val="accent1"/>
+          </a:fillRef>
+          <a:effectRef idx="0">
+            <a:schemeClr val="accent1"/>
+          </a:effectRef>
+          <a:fontRef idx="minor">
+            <a:schemeClr val="lt1"/>
+          </a:fontRef>
+        </p:style>
+        <p:txBody>
+          <a:bodyPr rtlCol="0" anchor="ctr"/>
+          <a:lstStyle/>
+          <a:p>
+            <a:pPr algn="ctr"/>
+            <a:r>
+              <a:rPr lang="zh-CN" altLang="en-US" sz="4400" dirty="0"/>
+              <a:t>资源统筹</a:t>
+            </a:r>
+          </a:p>
+        </p:txBody>
+      </p:sp>
+      <p:sp>
+        <p:nvSpPr>
+          <p:cNvPr id="11" name="矩形 10">
+            <a:extLst>
+              <a:ext uri="{FF2B5EF4-FFF2-40B4-BE49-F238E27FC236}">
+                <a16:creationId xmlns:a16="http://schemas.microsoft.com/office/drawing/2014/main" id="{E69FC3B8-02F5-450F-9C3E-24FCB7C4986A}"/>
+              </a:ext>
+            </a:extLst>
+          </p:cNvPr>
+          <p:cNvSpPr/>
+          <p:nvPr/>
+        </p:nvSpPr>
+        <p:spPr>
+          <a:xfrm>
+            <a:off x="714349" y="3215862"/>
+            <a:ext cx="6569169" cy="2862919"/>
+          </a:xfrm>
+          <a:prstGeom prst="rect">
+            <a:avLst/>
+          </a:prstGeom>
+          <a:solidFill>
+            <a:srgbClr val="7030A0"/>
+          </a:solidFill>
+        </p:spPr>
+        <p:style>
+          <a:lnRef idx="2">
+            <a:schemeClr val="accent1">
+              <a:shade val="50000"/>
+            </a:schemeClr>
+          </a:lnRef>
+          <a:fillRef idx="1">
+            <a:schemeClr val="accent1"/>
+          </a:fillRef>
+          <a:effectRef idx="0">
+            <a:schemeClr val="accent1"/>
+          </a:effectRef>
+          <a:fontRef idx="minor">
+            <a:schemeClr val="lt1"/>
+          </a:fontRef>
+        </p:style>
+        <p:txBody>
+          <a:bodyPr rtlCol="0" anchor="ctr"/>
+          <a:lstStyle/>
+          <a:p>
+            <a:pPr algn="ctr"/>
+            <a:r>
+              <a:rPr lang="zh-CN" altLang="en-US" sz="4400" dirty="0"/>
+              <a:t>舆情信息</a:t>
+            </a:r>
+          </a:p>
+        </p:txBody>
+      </p:sp>
+    </p:spTree>
+    <p:extLst>
+      <p:ext uri="{BB962C8B-B14F-4D97-AF65-F5344CB8AC3E}">
+        <p14:creationId xmlns:p14="http://schemas.microsoft.com/office/powerpoint/2010/main" val="1669853810"/>
+      </p:ext>
+    </p:extLst>
+  </p:cSld>
+  <p:clrMapOvr>
+    <a:masterClrMapping/>
+  </p:clrMapOvr>
+</p:sld>
+</file>
+
+<file path=ppt/slides/slide7.xml><?xml version="1.0" encoding="utf-8"?>
+<p:sld xmlns:a="http://schemas.openxmlformats.org/drawingml/2006/main" xmlns:r="http://schemas.openxmlformats.org/officeDocument/2006/relationships" xmlns:p="http://schemas.openxmlformats.org/presentationml/2006/main">
+  <p:cSld>
+    <p:spTree>
+      <p:nvGrpSpPr>
+        <p:cNvPr id="1" name=""/>
+        <p:cNvGrpSpPr/>
+        <p:nvPr/>
+      </p:nvGrpSpPr>
+      <p:grpSpPr>
+        <a:xfrm>
+          <a:off x="0" y="0"/>
+          <a:ext cx="0" cy="0"/>
+          <a:chOff x="0" y="0"/>
+          <a:chExt cx="0" cy="0"/>
+        </a:xfrm>
+      </p:grpSpPr>
+      <p:sp>
+        <p:nvSpPr>
+          <p:cNvPr id="4" name="矩形 3">
+            <a:extLst>
+              <a:ext uri="{FF2B5EF4-FFF2-40B4-BE49-F238E27FC236}">
+                <a16:creationId xmlns:a16="http://schemas.microsoft.com/office/drawing/2014/main" id="{480E36B8-67DF-4EE5-A3C6-7DE8485223D1}"/>
+              </a:ext>
+            </a:extLst>
+          </p:cNvPr>
+          <p:cNvSpPr/>
+          <p:nvPr/>
+        </p:nvSpPr>
+        <p:spPr>
+          <a:xfrm>
+            <a:off x="714349" y="154007"/>
+            <a:ext cx="6569169" cy="2862919"/>
+          </a:xfrm>
+          <a:prstGeom prst="rect">
+            <a:avLst/>
+          </a:prstGeom>
+          <a:solidFill>
+            <a:schemeClr val="bg1"/>
+          </a:solidFill>
+        </p:spPr>
+        <p:style>
+          <a:lnRef idx="2">
+            <a:schemeClr val="accent1">
+              <a:shade val="50000"/>
+            </a:schemeClr>
+          </a:lnRef>
+          <a:fillRef idx="1">
+            <a:schemeClr val="accent1"/>
+          </a:fillRef>
+          <a:effectRef idx="0">
+            <a:schemeClr val="accent1"/>
+          </a:effectRef>
+          <a:fontRef idx="minor">
+            <a:schemeClr val="lt1"/>
+          </a:fontRef>
+        </p:style>
+        <p:txBody>
+          <a:bodyPr rtlCol="0" anchor="ctr"/>
+          <a:lstStyle/>
+          <a:p>
+            <a:pPr algn="ctr"/>
+            <a:r>
+              <a:rPr lang="zh-CN" altLang="en-US" sz="4400" dirty="0">
+                <a:solidFill>
+                  <a:schemeClr val="tx1"/>
+                </a:solidFill>
+              </a:rPr>
+              <a:t>有问有答</a:t>
+            </a:r>
+          </a:p>
+        </p:txBody>
+      </p:sp>
+    </p:spTree>
+    <p:extLst>
+      <p:ext uri="{BB962C8B-B14F-4D97-AF65-F5344CB8AC3E}">
+        <p14:creationId xmlns:p14="http://schemas.microsoft.com/office/powerpoint/2010/main" val="2029965394"/>
+      </p:ext>
+    </p:extLst>
+  </p:cSld>
+  <p:clrMapOvr>
+    <a:masterClrMapping/>
+  </p:clrMapOvr>
+</p:sld>
+</file>
+
 <file path=ppt/theme/theme1.xml><?xml version="1.0" encoding="utf-8"?>
 <a:theme xmlns:a="http://schemas.openxmlformats.org/drawingml/2006/main" name="Office 主题​​">
   <a:themeElements>
